--- a/git.pptx
+++ b/git.pptx
@@ -12,15 +12,13 @@
     <p:sldId id="261" r:id="rId6"/>
     <p:sldId id="260" r:id="rId7"/>
     <p:sldId id="259" r:id="rId8"/>
-    <p:sldId id="258" r:id="rId9"/>
-    <p:sldId id="264" r:id="rId10"/>
-    <p:sldId id="267" r:id="rId11"/>
-    <p:sldId id="265" r:id="rId12"/>
-    <p:sldId id="266" r:id="rId13"/>
-    <p:sldId id="268" r:id="rId14"/>
-    <p:sldId id="269" r:id="rId15"/>
-    <p:sldId id="271" r:id="rId16"/>
-    <p:sldId id="270" r:id="rId17"/>
+    <p:sldId id="272" r:id="rId9"/>
+    <p:sldId id="273" r:id="rId10"/>
+    <p:sldId id="277" r:id="rId11"/>
+    <p:sldId id="274" r:id="rId12"/>
+    <p:sldId id="275" r:id="rId13"/>
+    <p:sldId id="258" r:id="rId14"/>
+    <p:sldId id="276" r:id="rId15"/>
   </p:sldIdLst>
   <p:sldSz cx="12192000" cy="6858000"/>
   <p:notesSz cx="6858000" cy="9144000"/>
@@ -119,6 +117,11 @@
       </a:defRPr>
     </a:lvl9pPr>
   </p:defaultTextStyle>
+  <p:extLst>
+    <p:ext uri="{EFAFB233-063F-42B5-8137-9DF3F51BA10A}">
+      <p15:sldGuideLst xmlns:p15="http://schemas.microsoft.com/office/powerpoint/2012/main"/>
+    </p:ext>
+  </p:extLst>
 </p:presentation>
 </file>
 
@@ -3713,7 +3716,7 @@
           <p:cNvPr id="2" name="タイトル 1">
             <a:extLst>
               <a:ext uri="{FF2B5EF4-FFF2-40B4-BE49-F238E27FC236}">
-                <a16:creationId xmlns:a16="http://schemas.microsoft.com/office/drawing/2014/main" id="{9E73DD9C-D533-49E0-ADB3-AB5ECEE6265E}"/>
+                <a16:creationId xmlns:a16="http://schemas.microsoft.com/office/drawing/2014/main" id="{10F3643C-A730-4ECB-9DBD-CE139B060511}"/>
               </a:ext>
             </a:extLst>
           </p:cNvPr>
@@ -3729,16 +3732,6 @@
           <a:bodyPr/>
           <a:lstStyle/>
           <a:p>
-            <a:r>
-              <a:rPr lang="en-US" altLang="ja-JP" b="0" i="0">
-                <a:solidFill>
-                  <a:srgbClr val="333333"/>
-                </a:solidFill>
-                <a:effectLst/>
-                <a:latin typeface="SFMono-Regular"/>
-              </a:rPr>
-              <a:t>git branch</a:t>
-            </a:r>
             <a:endParaRPr kumimoji="1" lang="ja-JP" altLang="en-US"/>
           </a:p>
         </p:txBody>
@@ -3748,7 +3741,7 @@
           <p:cNvPr id="3" name="コンテンツ プレースホルダー 2">
             <a:extLst>
               <a:ext uri="{FF2B5EF4-FFF2-40B4-BE49-F238E27FC236}">
-                <a16:creationId xmlns:a16="http://schemas.microsoft.com/office/drawing/2014/main" id="{B0B37B82-0674-4AEE-8E73-4317614C1695}"/>
+                <a16:creationId xmlns:a16="http://schemas.microsoft.com/office/drawing/2014/main" id="{E7FA6E70-BE2B-4E5C-9EDE-AB80F0495EB8}"/>
               </a:ext>
             </a:extLst>
           </p:cNvPr>
@@ -3764,6 +3757,22 @@
           <a:bodyPr/>
           <a:lstStyle/>
           <a:p>
+            <a:pPr marL="0" indent="0">
+              <a:buNone/>
+            </a:pPr>
+            <a:r>
+              <a:rPr lang="en-US" altLang="ja-JP"/>
+              <a:t>(cuda) C:\work\testgit&gt;git checkout master</a:t>
+            </a:r>
+          </a:p>
+          <a:p>
+            <a:pPr marL="0" indent="0">
+              <a:buNone/>
+            </a:pPr>
+            <a:r>
+              <a:rPr lang="en-US" altLang="ja-JP"/>
+              <a:t>Switched to branch 'master'</a:t>
+            </a:r>
             <a:endParaRPr kumimoji="1" lang="ja-JP" altLang="en-US"/>
           </a:p>
         </p:txBody>
@@ -3771,7 +3780,7 @@
     </p:spTree>
     <p:extLst>
       <p:ext uri="{BB962C8B-B14F-4D97-AF65-F5344CB8AC3E}">
-        <p14:creationId xmlns:p14="http://schemas.microsoft.com/office/powerpoint/2010/main" val="2073839831"/>
+        <p14:creationId xmlns:p14="http://schemas.microsoft.com/office/powerpoint/2010/main" val="3155526647"/>
       </p:ext>
     </p:extLst>
   </p:cSld>
@@ -3803,7 +3812,7 @@
           <p:cNvPr id="2" name="タイトル 1">
             <a:extLst>
               <a:ext uri="{FF2B5EF4-FFF2-40B4-BE49-F238E27FC236}">
-                <a16:creationId xmlns:a16="http://schemas.microsoft.com/office/drawing/2014/main" id="{3B7DBB4F-BDB7-4214-B5E4-715D9FF99FB5}"/>
+                <a16:creationId xmlns:a16="http://schemas.microsoft.com/office/drawing/2014/main" id="{526A76F5-FDB4-4CFE-8FCB-480616ED6C3E}"/>
               </a:ext>
             </a:extLst>
           </p:cNvPr>
@@ -3819,16 +3828,6 @@
           <a:bodyPr/>
           <a:lstStyle/>
           <a:p>
-            <a:r>
-              <a:rPr lang="en-US" altLang="ja-JP" b="0" i="0">
-                <a:solidFill>
-                  <a:srgbClr val="333333"/>
-                </a:solidFill>
-                <a:effectLst/>
-                <a:latin typeface="SFMono-Regular"/>
-              </a:rPr>
-              <a:t>git checkout testbranch</a:t>
-            </a:r>
             <a:endParaRPr kumimoji="1" lang="ja-JP" altLang="en-US"/>
           </a:p>
         </p:txBody>
@@ -3838,7 +3837,7 @@
           <p:cNvPr id="3" name="コンテンツ プレースホルダー 2">
             <a:extLst>
               <a:ext uri="{FF2B5EF4-FFF2-40B4-BE49-F238E27FC236}">
-                <a16:creationId xmlns:a16="http://schemas.microsoft.com/office/drawing/2014/main" id="{D22D889C-8DBC-4320-9565-E8C27C869A73}"/>
+                <a16:creationId xmlns:a16="http://schemas.microsoft.com/office/drawing/2014/main" id="{0EAE5933-8C5B-4F8A-8B80-D60928F8C772}"/>
               </a:ext>
             </a:extLst>
           </p:cNvPr>
@@ -3854,6 +3853,69 @@
           <a:bodyPr/>
           <a:lstStyle/>
           <a:p>
+            <a:pPr marL="0" indent="0">
+              <a:buNone/>
+            </a:pPr>
+            <a:r>
+              <a:rPr lang="en-US" altLang="ja-JP"/>
+              <a:t>(cuda) C:\work\testgit&gt;type sample1.txt</a:t>
+            </a:r>
+          </a:p>
+          <a:p>
+            <a:pPr marL="0" indent="0">
+              <a:buNone/>
+            </a:pPr>
+            <a:endParaRPr lang="en-US" altLang="ja-JP"/>
+          </a:p>
+          <a:p>
+            <a:pPr marL="0" indent="0">
+              <a:buNone/>
+            </a:pPr>
+            <a:r>
+              <a:rPr lang="en-US" altLang="ja-JP"/>
+              <a:t>(cuda) C:\work\testgit&gt;git merge master2</a:t>
+            </a:r>
+          </a:p>
+          <a:p>
+            <a:pPr marL="0" indent="0">
+              <a:buNone/>
+            </a:pPr>
+            <a:r>
+              <a:rPr lang="en-US" altLang="ja-JP"/>
+              <a:t>Updating 78b1383..a5b89d9</a:t>
+            </a:r>
+          </a:p>
+          <a:p>
+            <a:pPr marL="0" indent="0">
+              <a:buNone/>
+            </a:pPr>
+            <a:r>
+              <a:rPr lang="en-US" altLang="ja-JP"/>
+              <a:t>Fast-forward</a:t>
+            </a:r>
+          </a:p>
+          <a:p>
+            <a:pPr marL="0" indent="0">
+              <a:buNone/>
+            </a:pPr>
+            <a:r>
+              <a:rPr lang="en-US" altLang="ja-JP"/>
+              <a:t> sample1.txt | 1 +</a:t>
+            </a:r>
+          </a:p>
+          <a:p>
+            <a:pPr marL="0" indent="0">
+              <a:buNone/>
+            </a:pPr>
+            <a:r>
+              <a:rPr lang="en-US" altLang="ja-JP"/>
+              <a:t> 1 file changed, 1 insertion(+)</a:t>
+            </a:r>
+          </a:p>
+          <a:p>
+            <a:pPr marL="0" indent="0">
+              <a:buNone/>
+            </a:pPr>
             <a:endParaRPr kumimoji="1" lang="ja-JP" altLang="en-US"/>
           </a:p>
         </p:txBody>
@@ -3861,7 +3923,7 @@
     </p:spTree>
     <p:extLst>
       <p:ext uri="{BB962C8B-B14F-4D97-AF65-F5344CB8AC3E}">
-        <p14:creationId xmlns:p14="http://schemas.microsoft.com/office/powerpoint/2010/main" val="2257504923"/>
+        <p14:creationId xmlns:p14="http://schemas.microsoft.com/office/powerpoint/2010/main" val="230157641"/>
       </p:ext>
     </p:extLst>
   </p:cSld>
@@ -3893,7 +3955,7 @@
           <p:cNvPr id="2" name="タイトル 1">
             <a:extLst>
               <a:ext uri="{FF2B5EF4-FFF2-40B4-BE49-F238E27FC236}">
-                <a16:creationId xmlns:a16="http://schemas.microsoft.com/office/drawing/2014/main" id="{1CF2E3D8-BF93-486F-B9F1-D50241ED5CCB}"/>
+                <a16:creationId xmlns:a16="http://schemas.microsoft.com/office/drawing/2014/main" id="{8323B19B-063E-4DD4-ABFC-AC9D9890CAC3}"/>
               </a:ext>
             </a:extLst>
           </p:cNvPr>
@@ -3909,10 +3971,6 @@
           <a:bodyPr/>
           <a:lstStyle/>
           <a:p>
-            <a:r>
-              <a:rPr kumimoji="1" lang="en-US" altLang="ja-JP"/>
-              <a:t>git checkout master</a:t>
-            </a:r>
             <a:endParaRPr kumimoji="1" lang="ja-JP" altLang="en-US"/>
           </a:p>
         </p:txBody>
@@ -3922,7 +3980,7 @@
           <p:cNvPr id="3" name="コンテンツ プレースホルダー 2">
             <a:extLst>
               <a:ext uri="{FF2B5EF4-FFF2-40B4-BE49-F238E27FC236}">
-                <a16:creationId xmlns:a16="http://schemas.microsoft.com/office/drawing/2014/main" id="{04F5EF80-3AA3-4000-9168-607E152DDCBF}"/>
+                <a16:creationId xmlns:a16="http://schemas.microsoft.com/office/drawing/2014/main" id="{7A14B54D-F2E3-44C6-8709-60399D794880}"/>
               </a:ext>
             </a:extLst>
           </p:cNvPr>
@@ -3938,6 +3996,27 @@
           <a:bodyPr/>
           <a:lstStyle/>
           <a:p>
+            <a:pPr marL="0" indent="0">
+              <a:buNone/>
+            </a:pPr>
+            <a:r>
+              <a:rPr lang="en-US" altLang="ja-JP"/>
+              <a:t>(cuda) C:\work\testgit&gt;type sample1.txt</a:t>
+            </a:r>
+          </a:p>
+          <a:p>
+            <a:pPr marL="0" indent="0">
+              <a:buNone/>
+            </a:pPr>
+            <a:r>
+              <a:rPr lang="en-US" altLang="ja-JP"/>
+              <a:t>"test"</a:t>
+            </a:r>
+          </a:p>
+          <a:p>
+            <a:pPr marL="0" indent="0">
+              <a:buNone/>
+            </a:pPr>
             <a:endParaRPr kumimoji="1" lang="ja-JP" altLang="en-US"/>
           </a:p>
         </p:txBody>
@@ -3945,7 +4024,7 @@
     </p:spTree>
     <p:extLst>
       <p:ext uri="{BB962C8B-B14F-4D97-AF65-F5344CB8AC3E}">
-        <p14:creationId xmlns:p14="http://schemas.microsoft.com/office/powerpoint/2010/main" val="2305904640"/>
+        <p14:creationId xmlns:p14="http://schemas.microsoft.com/office/powerpoint/2010/main" val="3802396251"/>
       </p:ext>
     </p:extLst>
   </p:cSld>
@@ -3972,70 +4051,57 @@
           <a:chExt cx="0" cy="0"/>
         </a:xfrm>
       </p:grpSpPr>
-      <p:sp>
-        <p:nvSpPr>
-          <p:cNvPr id="2" name="タイトル 1">
-            <a:extLst>
-              <a:ext uri="{FF2B5EF4-FFF2-40B4-BE49-F238E27FC236}">
-                <a16:creationId xmlns:a16="http://schemas.microsoft.com/office/drawing/2014/main" id="{898735D9-3D5E-4CB6-B622-EEAD5E555947}"/>
-              </a:ext>
-            </a:extLst>
-          </p:cNvPr>
-          <p:cNvSpPr>
-            <a:spLocks noGrp="1"/>
-          </p:cNvSpPr>
-          <p:nvPr>
-            <p:ph type="title"/>
-          </p:nvPr>
-        </p:nvSpPr>
-        <p:spPr/>
-        <p:txBody>
-          <a:bodyPr/>
-          <a:lstStyle/>
-          <a:p>
-            <a:r>
-              <a:rPr lang="en-US" altLang="ja-JP" b="0" i="0">
+      <p:pic>
+        <p:nvPicPr>
+          <p:cNvPr id="3074" name="Picture 2">
+            <a:extLst>
+              <a:ext uri="{FF2B5EF4-FFF2-40B4-BE49-F238E27FC236}">
+                <a16:creationId xmlns:a16="http://schemas.microsoft.com/office/drawing/2014/main" id="{DBA5BA5B-EDB4-4C7C-9A51-60102E324DE7}"/>
+              </a:ext>
+            </a:extLst>
+          </p:cNvPr>
+          <p:cNvPicPr>
+            <a:picLocks noChangeAspect="1" noChangeArrowheads="1"/>
+          </p:cNvPicPr>
+          <p:nvPr/>
+        </p:nvPicPr>
+        <p:blipFill>
+          <a:blip r:embed="rId2">
+            <a:extLst>
+              <a:ext uri="{28A0092B-C50C-407E-A947-70E740481C1C}">
+                <a14:useLocalDpi xmlns:a14="http://schemas.microsoft.com/office/drawing/2010/main" val="0"/>
+              </a:ext>
+            </a:extLst>
+          </a:blip>
+          <a:srcRect/>
+          <a:stretch>
+            <a:fillRect/>
+          </a:stretch>
+        </p:blipFill>
+        <p:spPr bwMode="auto">
+          <a:xfrm>
+            <a:off x="1427163" y="0"/>
+            <a:ext cx="9336087" cy="6858000"/>
+          </a:xfrm>
+          <a:prstGeom prst="rect">
+            <a:avLst/>
+          </a:prstGeom>
+          <a:noFill/>
+          <a:extLst>
+            <a:ext uri="{909E8E84-426E-40DD-AFC4-6F175D3DCCD1}">
+              <a14:hiddenFill xmlns:a14="http://schemas.microsoft.com/office/drawing/2010/main">
                 <a:solidFill>
-                  <a:srgbClr val="333333"/>
+                  <a:srgbClr val="FFFFFF"/>
                 </a:solidFill>
-                <a:effectLst/>
-                <a:latin typeface="SFMono-Regular"/>
-              </a:rPr>
-              <a:t>git merge testbranch</a:t>
-            </a:r>
-            <a:endParaRPr kumimoji="1" lang="ja-JP" altLang="en-US"/>
-          </a:p>
-        </p:txBody>
-      </p:sp>
-      <p:sp>
-        <p:nvSpPr>
-          <p:cNvPr id="3" name="コンテンツ プレースホルダー 2">
-            <a:extLst>
-              <a:ext uri="{FF2B5EF4-FFF2-40B4-BE49-F238E27FC236}">
-                <a16:creationId xmlns:a16="http://schemas.microsoft.com/office/drawing/2014/main" id="{0E40B5A4-E9B8-4860-B478-CE8A665DCD99}"/>
-              </a:ext>
-            </a:extLst>
-          </p:cNvPr>
-          <p:cNvSpPr>
-            <a:spLocks noGrp="1"/>
-          </p:cNvSpPr>
-          <p:nvPr>
-            <p:ph idx="1"/>
-          </p:nvPr>
-        </p:nvSpPr>
-        <p:spPr/>
-        <p:txBody>
-          <a:bodyPr/>
-          <a:lstStyle/>
-          <a:p>
-            <a:endParaRPr kumimoji="1" lang="ja-JP" altLang="en-US"/>
-          </a:p>
-        </p:txBody>
-      </p:sp>
+              </a14:hiddenFill>
+            </a:ext>
+          </a:extLst>
+        </p:spPr>
+      </p:pic>
     </p:spTree>
     <p:extLst>
       <p:ext uri="{BB962C8B-B14F-4D97-AF65-F5344CB8AC3E}">
-        <p14:creationId xmlns:p14="http://schemas.microsoft.com/office/powerpoint/2010/main" val="951917710"/>
+        <p14:creationId xmlns:p14="http://schemas.microsoft.com/office/powerpoint/2010/main" val="2224098184"/>
       </p:ext>
     </p:extLst>
   </p:cSld>
@@ -4067,7 +4133,7 @@
           <p:cNvPr id="2" name="タイトル 1">
             <a:extLst>
               <a:ext uri="{FF2B5EF4-FFF2-40B4-BE49-F238E27FC236}">
-                <a16:creationId xmlns:a16="http://schemas.microsoft.com/office/drawing/2014/main" id="{D20CAC7B-AF76-4BC1-B528-48177C90DD41}"/>
+                <a16:creationId xmlns:a16="http://schemas.microsoft.com/office/drawing/2014/main" id="{41CE8150-CE1B-4B0C-B8C2-808AE9BF7CF9}"/>
               </a:ext>
             </a:extLst>
           </p:cNvPr>
@@ -4092,7 +4158,7 @@
           <p:cNvPr id="3" name="コンテンツ プレースホルダー 2">
             <a:extLst>
               <a:ext uri="{FF2B5EF4-FFF2-40B4-BE49-F238E27FC236}">
-                <a16:creationId xmlns:a16="http://schemas.microsoft.com/office/drawing/2014/main" id="{732EB3B0-F033-45BB-AAC6-224DD825212C}"/>
+                <a16:creationId xmlns:a16="http://schemas.microsoft.com/office/drawing/2014/main" id="{8F7BA950-0A48-4C78-8BEA-E336A3FE9D22}"/>
               </a:ext>
             </a:extLst>
           </p:cNvPr>
@@ -4115,167 +4181,7 @@
     </p:spTree>
     <p:extLst>
       <p:ext uri="{BB962C8B-B14F-4D97-AF65-F5344CB8AC3E}">
-        <p14:creationId xmlns:p14="http://schemas.microsoft.com/office/powerpoint/2010/main" val="4199814627"/>
-      </p:ext>
-    </p:extLst>
-  </p:cSld>
-  <p:clrMapOvr>
-    <a:masterClrMapping/>
-  </p:clrMapOvr>
-</p:sld>
-</file>
-
-<file path=ppt/slides/slide15.xml><?xml version="1.0" encoding="utf-8"?>
-<p:sld xmlns:a="http://schemas.openxmlformats.org/drawingml/2006/main" xmlns:r="http://schemas.openxmlformats.org/officeDocument/2006/relationships" xmlns:p="http://schemas.openxmlformats.org/presentationml/2006/main">
-  <p:cSld>
-    <p:spTree>
-      <p:nvGrpSpPr>
-        <p:cNvPr id="1" name=""/>
-        <p:cNvGrpSpPr/>
-        <p:nvPr/>
-      </p:nvGrpSpPr>
-      <p:grpSpPr>
-        <a:xfrm>
-          <a:off x="0" y="0"/>
-          <a:ext cx="0" cy="0"/>
-          <a:chOff x="0" y="0"/>
-          <a:chExt cx="0" cy="0"/>
-        </a:xfrm>
-      </p:grpSpPr>
-      <p:sp>
-        <p:nvSpPr>
-          <p:cNvPr id="2" name="タイトル 1">
-            <a:extLst>
-              <a:ext uri="{FF2B5EF4-FFF2-40B4-BE49-F238E27FC236}">
-                <a16:creationId xmlns:a16="http://schemas.microsoft.com/office/drawing/2014/main" id="{B2D24CF2-141A-497F-ADFA-61FDD683C832}"/>
-              </a:ext>
-            </a:extLst>
-          </p:cNvPr>
-          <p:cNvSpPr>
-            <a:spLocks noGrp="1"/>
-          </p:cNvSpPr>
-          <p:nvPr>
-            <p:ph type="title"/>
-          </p:nvPr>
-        </p:nvSpPr>
-        <p:spPr/>
-        <p:txBody>
-          <a:bodyPr/>
-          <a:lstStyle/>
-          <a:p>
-            <a:endParaRPr kumimoji="1" lang="ja-JP" altLang="en-US"/>
-          </a:p>
-        </p:txBody>
-      </p:sp>
-      <p:sp>
-        <p:nvSpPr>
-          <p:cNvPr id="3" name="コンテンツ プレースホルダー 2">
-            <a:extLst>
-              <a:ext uri="{FF2B5EF4-FFF2-40B4-BE49-F238E27FC236}">
-                <a16:creationId xmlns:a16="http://schemas.microsoft.com/office/drawing/2014/main" id="{0BC43242-4581-4482-A989-13D6CF7292EB}"/>
-              </a:ext>
-            </a:extLst>
-          </p:cNvPr>
-          <p:cNvSpPr>
-            <a:spLocks noGrp="1"/>
-          </p:cNvSpPr>
-          <p:nvPr>
-            <p:ph idx="1"/>
-          </p:nvPr>
-        </p:nvSpPr>
-        <p:spPr/>
-        <p:txBody>
-          <a:bodyPr/>
-          <a:lstStyle/>
-          <a:p>
-            <a:endParaRPr kumimoji="1" lang="ja-JP" altLang="en-US"/>
-          </a:p>
-        </p:txBody>
-      </p:sp>
-    </p:spTree>
-    <p:extLst>
-      <p:ext uri="{BB962C8B-B14F-4D97-AF65-F5344CB8AC3E}">
-        <p14:creationId xmlns:p14="http://schemas.microsoft.com/office/powerpoint/2010/main" val="893012605"/>
-      </p:ext>
-    </p:extLst>
-  </p:cSld>
-  <p:clrMapOvr>
-    <a:masterClrMapping/>
-  </p:clrMapOvr>
-</p:sld>
-</file>
-
-<file path=ppt/slides/slide16.xml><?xml version="1.0" encoding="utf-8"?>
-<p:sld xmlns:a="http://schemas.openxmlformats.org/drawingml/2006/main" xmlns:r="http://schemas.openxmlformats.org/officeDocument/2006/relationships" xmlns:p="http://schemas.openxmlformats.org/presentationml/2006/main">
-  <p:cSld>
-    <p:spTree>
-      <p:nvGrpSpPr>
-        <p:cNvPr id="1" name=""/>
-        <p:cNvGrpSpPr/>
-        <p:nvPr/>
-      </p:nvGrpSpPr>
-      <p:grpSpPr>
-        <a:xfrm>
-          <a:off x="0" y="0"/>
-          <a:ext cx="0" cy="0"/>
-          <a:chOff x="0" y="0"/>
-          <a:chExt cx="0" cy="0"/>
-        </a:xfrm>
-      </p:grpSpPr>
-      <p:sp>
-        <p:nvSpPr>
-          <p:cNvPr id="2" name="タイトル 1">
-            <a:extLst>
-              <a:ext uri="{FF2B5EF4-FFF2-40B4-BE49-F238E27FC236}">
-                <a16:creationId xmlns:a16="http://schemas.microsoft.com/office/drawing/2014/main" id="{CD9F0C0F-991C-412E-A661-ECCAC1F56A23}"/>
-              </a:ext>
-            </a:extLst>
-          </p:cNvPr>
-          <p:cNvSpPr>
-            <a:spLocks noGrp="1"/>
-          </p:cNvSpPr>
-          <p:nvPr>
-            <p:ph type="title"/>
-          </p:nvPr>
-        </p:nvSpPr>
-        <p:spPr/>
-        <p:txBody>
-          <a:bodyPr/>
-          <a:lstStyle/>
-          <a:p>
-            <a:endParaRPr kumimoji="1" lang="ja-JP" altLang="en-US"/>
-          </a:p>
-        </p:txBody>
-      </p:sp>
-      <p:sp>
-        <p:nvSpPr>
-          <p:cNvPr id="3" name="コンテンツ プレースホルダー 2">
-            <a:extLst>
-              <a:ext uri="{FF2B5EF4-FFF2-40B4-BE49-F238E27FC236}">
-                <a16:creationId xmlns:a16="http://schemas.microsoft.com/office/drawing/2014/main" id="{7C4EE94B-A900-4892-AE7B-05BB305F522D}"/>
-              </a:ext>
-            </a:extLst>
-          </p:cNvPr>
-          <p:cNvSpPr>
-            <a:spLocks noGrp="1"/>
-          </p:cNvSpPr>
-          <p:nvPr>
-            <p:ph idx="1"/>
-          </p:nvPr>
-        </p:nvSpPr>
-        <p:spPr/>
-        <p:txBody>
-          <a:bodyPr/>
-          <a:lstStyle/>
-          <a:p>
-            <a:endParaRPr kumimoji="1" lang="ja-JP" altLang="en-US"/>
-          </a:p>
-        </p:txBody>
-      </p:sp>
-    </p:spTree>
-    <p:extLst>
-      <p:ext uri="{BB962C8B-B14F-4D97-AF65-F5344CB8AC3E}">
-        <p14:creationId xmlns:p14="http://schemas.microsoft.com/office/powerpoint/2010/main" val="1167128734"/>
+        <p14:creationId xmlns:p14="http://schemas.microsoft.com/office/powerpoint/2010/main" val="271791910"/>
       </p:ext>
     </p:extLst>
   </p:cSld>
@@ -4601,7 +4507,17 @@
           <a:bodyPr/>
           <a:lstStyle/>
           <a:p>
-            <a:endParaRPr kumimoji="1" lang="ja-JP" altLang="en-US"/>
+            <a:pPr marL="0" indent="0">
+              <a:buNone/>
+            </a:pPr>
+            <a:r>
+              <a:rPr kumimoji="1" lang="en-US" altLang="ja-JP"/>
+              <a:t>git</a:t>
+            </a:r>
+            <a:r>
+              <a:rPr kumimoji="1" lang="ja-JP" altLang="en-US"/>
+              <a:t>初期化</a:t>
+            </a:r>
           </a:p>
         </p:txBody>
       </p:sp>
@@ -4689,7 +4605,10 @@
               <a:rPr kumimoji="1" lang="en-US" altLang="ja-JP"/>
               <a:t>git add</a:t>
             </a:r>
-            <a:endParaRPr kumimoji="1" lang="ja-JP" altLang="en-US"/>
+            <a:r>
+              <a:rPr kumimoji="1" lang="ja-JP" altLang="en-US"/>
+              <a:t>　ファイル名</a:t>
+            </a:r>
           </a:p>
         </p:txBody>
       </p:sp>
@@ -4714,6 +4633,35 @@
           <a:bodyPr/>
           <a:lstStyle/>
           <a:p>
+            <a:pPr marL="0" indent="0">
+              <a:buNone/>
+            </a:pPr>
+            <a:r>
+              <a:rPr lang="en-US" altLang="ja-JP"/>
+              <a:t>(cuda) C:\work\testgit&gt;copy nul sample1.txt</a:t>
+            </a:r>
+          </a:p>
+          <a:p>
+            <a:pPr marL="0" indent="0">
+              <a:buNone/>
+            </a:pPr>
+            <a:r>
+              <a:rPr lang="en-US" altLang="ja-JP"/>
+              <a:t>        1 </a:t>
+            </a:r>
+            <a:r>
+              <a:rPr lang="ja-JP" altLang="en-US"/>
+              <a:t>個のファイルをコピーしました。</a:t>
+            </a:r>
+          </a:p>
+          <a:p>
+            <a:pPr marL="0" indent="0">
+              <a:buNone/>
+            </a:pPr>
+            <a:r>
+              <a:rPr lang="en-US" altLang="ja-JP"/>
+              <a:t>(cuda) C:\work\testgit&gt; git add sample1.txt</a:t>
+            </a:r>
             <a:endParaRPr kumimoji="1" lang="ja-JP" altLang="en-US"/>
           </a:p>
         </p:txBody>
@@ -4771,7 +4719,15 @@
           <a:p>
             <a:r>
               <a:rPr kumimoji="1" lang="en-US" altLang="ja-JP"/>
-              <a:t>git commit –m “”</a:t>
+              <a:t>git commit –m “</a:t>
+            </a:r>
+            <a:r>
+              <a:rPr kumimoji="1" lang="ja-JP" altLang="en-US"/>
+              <a:t>メッセージ</a:t>
+            </a:r>
+            <a:r>
+              <a:rPr kumimoji="1" lang="en-US" altLang="ja-JP"/>
+              <a:t>”</a:t>
             </a:r>
             <a:endParaRPr kumimoji="1" lang="ja-JP" altLang="en-US"/>
           </a:p>
@@ -4798,6 +4754,45 @@
           <a:bodyPr/>
           <a:lstStyle/>
           <a:p>
+            <a:pPr marL="0" indent="0">
+              <a:buNone/>
+            </a:pPr>
+            <a:r>
+              <a:rPr lang="en-US" altLang="ja-JP"/>
+              <a:t>(cuda) C:\work\testgit&gt;git commit -m "first"</a:t>
+            </a:r>
+          </a:p>
+          <a:p>
+            <a:pPr marL="0" indent="0">
+              <a:buNone/>
+            </a:pPr>
+            <a:r>
+              <a:rPr lang="en-US" altLang="ja-JP"/>
+              <a:t>[master (root-commit) 78b1383] first</a:t>
+            </a:r>
+          </a:p>
+          <a:p>
+            <a:pPr marL="0" indent="0">
+              <a:buNone/>
+            </a:pPr>
+            <a:r>
+              <a:rPr lang="en-US" altLang="ja-JP"/>
+              <a:t> 1 file changed, 0 insertions(+), 0 deletions(-)</a:t>
+            </a:r>
+          </a:p>
+          <a:p>
+            <a:pPr marL="0" indent="0">
+              <a:buNone/>
+            </a:pPr>
+            <a:r>
+              <a:rPr lang="en-US" altLang="ja-JP"/>
+              <a:t> create mode 100644 sample1.txt</a:t>
+            </a:r>
+          </a:p>
+          <a:p>
+            <a:pPr marL="0" indent="0">
+              <a:buNone/>
+            </a:pPr>
             <a:endParaRPr kumimoji="1" lang="ja-JP" altLang="en-US"/>
           </a:p>
         </p:txBody>
@@ -4861,7 +4856,16 @@
                 <a:effectLst/>
                 <a:latin typeface="SFMono-Regular"/>
               </a:rPr>
-              <a:t>git push origin master</a:t>
+              <a:t>git checkout</a:t>
+            </a:r>
+            <a:r>
+              <a:rPr lang="ja-JP" altLang="en-US">
+                <a:solidFill>
+                  <a:srgbClr val="333333"/>
+                </a:solidFill>
+                <a:latin typeface="SFMono-Regular"/>
+              </a:rPr>
+              <a:t>　ブランチの切り替え</a:t>
             </a:r>
             <a:endParaRPr kumimoji="1" lang="ja-JP" altLang="en-US"/>
           </a:p>
@@ -4888,6 +4892,22 @@
           <a:bodyPr/>
           <a:lstStyle/>
           <a:p>
+            <a:pPr marL="0" indent="0">
+              <a:buNone/>
+            </a:pPr>
+            <a:r>
+              <a:rPr lang="en-US" altLang="ja-JP"/>
+              <a:t>(cuda) C:\work\testgit&gt;git checkout -b master2</a:t>
+            </a:r>
+          </a:p>
+          <a:p>
+            <a:pPr marL="0" indent="0">
+              <a:buNone/>
+            </a:pPr>
+            <a:r>
+              <a:rPr lang="en-US" altLang="ja-JP"/>
+              <a:t>Switched to a new branch 'master2'</a:t>
+            </a:r>
             <a:endParaRPr kumimoji="1" lang="ja-JP" altLang="en-US"/>
           </a:p>
         </p:txBody>
@@ -4922,57 +4942,93 @@
           <a:chExt cx="0" cy="0"/>
         </a:xfrm>
       </p:grpSpPr>
-      <p:pic>
-        <p:nvPicPr>
-          <p:cNvPr id="3074" name="Picture 2">
-            <a:extLst>
-              <a:ext uri="{FF2B5EF4-FFF2-40B4-BE49-F238E27FC236}">
-                <a16:creationId xmlns:a16="http://schemas.microsoft.com/office/drawing/2014/main" id="{DBA5BA5B-EDB4-4C7C-9A51-60102E324DE7}"/>
-              </a:ext>
-            </a:extLst>
-          </p:cNvPr>
-          <p:cNvPicPr>
-            <a:picLocks noChangeAspect="1" noChangeArrowheads="1"/>
-          </p:cNvPicPr>
-          <p:nvPr/>
-        </p:nvPicPr>
-        <p:blipFill>
-          <a:blip r:embed="rId2">
-            <a:extLst>
-              <a:ext uri="{28A0092B-C50C-407E-A947-70E740481C1C}">
-                <a14:useLocalDpi xmlns:a14="http://schemas.microsoft.com/office/drawing/2010/main" val="0"/>
-              </a:ext>
-            </a:extLst>
-          </a:blip>
-          <a:srcRect/>
-          <a:stretch>
-            <a:fillRect/>
-          </a:stretch>
-        </p:blipFill>
-        <p:spPr bwMode="auto">
-          <a:xfrm>
-            <a:off x="1427163" y="0"/>
-            <a:ext cx="9336087" cy="6858000"/>
-          </a:xfrm>
-          <a:prstGeom prst="rect">
-            <a:avLst/>
-          </a:prstGeom>
-          <a:noFill/>
-          <a:extLst>
-            <a:ext uri="{909E8E84-426E-40DD-AFC4-6F175D3DCCD1}">
-              <a14:hiddenFill xmlns:a14="http://schemas.microsoft.com/office/drawing/2010/main">
-                <a:solidFill>
-                  <a:srgbClr val="FFFFFF"/>
-                </a:solidFill>
-              </a14:hiddenFill>
-            </a:ext>
-          </a:extLst>
-        </p:spPr>
-      </p:pic>
+      <p:sp>
+        <p:nvSpPr>
+          <p:cNvPr id="2" name="タイトル 1">
+            <a:extLst>
+              <a:ext uri="{FF2B5EF4-FFF2-40B4-BE49-F238E27FC236}">
+                <a16:creationId xmlns:a16="http://schemas.microsoft.com/office/drawing/2014/main" id="{896CF945-94E1-405B-B5ED-97310FED73E6}"/>
+              </a:ext>
+            </a:extLst>
+          </p:cNvPr>
+          <p:cNvSpPr>
+            <a:spLocks noGrp="1"/>
+          </p:cNvSpPr>
+          <p:nvPr>
+            <p:ph type="title"/>
+          </p:nvPr>
+        </p:nvSpPr>
+        <p:spPr/>
+        <p:txBody>
+          <a:bodyPr/>
+          <a:lstStyle/>
+          <a:p>
+            <a:r>
+              <a:rPr kumimoji="1" lang="ja-JP" altLang="en-US"/>
+              <a:t>ファイルを変更する</a:t>
+            </a:r>
+          </a:p>
+        </p:txBody>
+      </p:sp>
+      <p:sp>
+        <p:nvSpPr>
+          <p:cNvPr id="3" name="コンテンツ プレースホルダー 2">
+            <a:extLst>
+              <a:ext uri="{FF2B5EF4-FFF2-40B4-BE49-F238E27FC236}">
+                <a16:creationId xmlns:a16="http://schemas.microsoft.com/office/drawing/2014/main" id="{B0E71684-B9D4-4609-88EB-34539BA1B4FF}"/>
+              </a:ext>
+            </a:extLst>
+          </p:cNvPr>
+          <p:cNvSpPr>
+            <a:spLocks noGrp="1"/>
+          </p:cNvSpPr>
+          <p:nvPr>
+            <p:ph idx="1"/>
+          </p:nvPr>
+        </p:nvSpPr>
+        <p:spPr/>
+        <p:txBody>
+          <a:bodyPr/>
+          <a:lstStyle/>
+          <a:p>
+            <a:pPr marL="0" indent="0">
+              <a:buNone/>
+            </a:pPr>
+            <a:r>
+              <a:rPr lang="en-US" altLang="ja-JP"/>
+              <a:t>(cuda) C:\work\testgit&gt;echo "test" &gt; sample1.txt</a:t>
+            </a:r>
+          </a:p>
+          <a:p>
+            <a:pPr marL="0" indent="0">
+              <a:buNone/>
+            </a:pPr>
+            <a:r>
+              <a:rPr lang="en-US" altLang="ja-JP"/>
+              <a:t>(cuda) C:\work\testgit&gt;type sample1.txt</a:t>
+            </a:r>
+          </a:p>
+          <a:p>
+            <a:pPr marL="0" indent="0">
+              <a:buNone/>
+            </a:pPr>
+            <a:r>
+              <a:rPr lang="en-US" altLang="ja-JP"/>
+              <a:t>"test"</a:t>
+            </a:r>
+          </a:p>
+          <a:p>
+            <a:pPr marL="0" indent="0">
+              <a:buNone/>
+            </a:pPr>
+            <a:endParaRPr kumimoji="1" lang="ja-JP" altLang="en-US"/>
+          </a:p>
+        </p:txBody>
+      </p:sp>
     </p:spTree>
     <p:extLst>
       <p:ext uri="{BB962C8B-B14F-4D97-AF65-F5344CB8AC3E}">
-        <p14:creationId xmlns:p14="http://schemas.microsoft.com/office/powerpoint/2010/main" val="2224098184"/>
+        <p14:creationId xmlns:p14="http://schemas.microsoft.com/office/powerpoint/2010/main" val="1204365693"/>
       </p:ext>
     </p:extLst>
   </p:cSld>
@@ -5004,7 +5060,7 @@
           <p:cNvPr id="2" name="タイトル 1">
             <a:extLst>
               <a:ext uri="{FF2B5EF4-FFF2-40B4-BE49-F238E27FC236}">
-                <a16:creationId xmlns:a16="http://schemas.microsoft.com/office/drawing/2014/main" id="{CC520338-947A-4148-8402-204FFF23597E}"/>
+                <a16:creationId xmlns:a16="http://schemas.microsoft.com/office/drawing/2014/main" id="{8840A450-BAEA-4ED9-8254-40E780069161}"/>
               </a:ext>
             </a:extLst>
           </p:cNvPr>
@@ -5021,14 +5077,12 @@
           <a:lstStyle/>
           <a:p>
             <a:r>
-              <a:rPr lang="en-US" altLang="ja-JP" b="0" i="0">
-                <a:solidFill>
-                  <a:srgbClr val="333333"/>
-                </a:solidFill>
-                <a:effectLst/>
-                <a:latin typeface="SFMono-Regular"/>
-              </a:rPr>
-              <a:t>git branch testbranch</a:t>
+              <a:rPr kumimoji="1" lang="ja-JP" altLang="en-US"/>
+              <a:t>コミットする（</a:t>
+            </a:r>
+            <a:r>
+              <a:rPr kumimoji="1" lang="en-US" altLang="ja-JP"/>
+              <a:t>master2)</a:t>
             </a:r>
             <a:endParaRPr kumimoji="1" lang="ja-JP" altLang="en-US"/>
           </a:p>
@@ -5039,7 +5093,7 @@
           <p:cNvPr id="3" name="コンテンツ プレースホルダー 2">
             <a:extLst>
               <a:ext uri="{FF2B5EF4-FFF2-40B4-BE49-F238E27FC236}">
-                <a16:creationId xmlns:a16="http://schemas.microsoft.com/office/drawing/2014/main" id="{CC2B7775-B8BC-4089-804D-CB270DEA619F}"/>
+                <a16:creationId xmlns:a16="http://schemas.microsoft.com/office/drawing/2014/main" id="{A297C0BE-B173-4043-9364-ABDF5F17A76E}"/>
               </a:ext>
             </a:extLst>
           </p:cNvPr>
@@ -5055,6 +5109,36 @@
           <a:bodyPr/>
           <a:lstStyle/>
           <a:p>
+            <a:pPr marL="0" indent="0">
+              <a:buNone/>
+            </a:pPr>
+            <a:r>
+              <a:rPr lang="en-US" altLang="ja-JP"/>
+              <a:t>(cuda) C:\work\testgit&gt;git commit -m "second"</a:t>
+            </a:r>
+          </a:p>
+          <a:p>
+            <a:pPr marL="0" indent="0">
+              <a:buNone/>
+            </a:pPr>
+            <a:r>
+              <a:rPr lang="en-US" altLang="ja-JP"/>
+              <a:t>[master2 a5b89d9] second</a:t>
+            </a:r>
+          </a:p>
+          <a:p>
+            <a:pPr marL="0" indent="0">
+              <a:buNone/>
+            </a:pPr>
+            <a:r>
+              <a:rPr lang="en-US" altLang="ja-JP"/>
+              <a:t> 1 file changed, 1 insertion(+)</a:t>
+            </a:r>
+          </a:p>
+          <a:p>
+            <a:pPr marL="0" indent="0">
+              <a:buNone/>
+            </a:pPr>
             <a:endParaRPr kumimoji="1" lang="ja-JP" altLang="en-US"/>
           </a:p>
         </p:txBody>
@@ -5062,7 +5146,7 @@
     </p:spTree>
     <p:extLst>
       <p:ext uri="{BB962C8B-B14F-4D97-AF65-F5344CB8AC3E}">
-        <p14:creationId xmlns:p14="http://schemas.microsoft.com/office/powerpoint/2010/main" val="4238172511"/>
+        <p14:creationId xmlns:p14="http://schemas.microsoft.com/office/powerpoint/2010/main" val="2157213586"/>
       </p:ext>
     </p:extLst>
   </p:cSld>
